--- a/Project3/Presentation3.pptx
+++ b/Project3/Presentation3.pptx
@@ -215,7 +215,7 @@
           <a:p>
             <a:fld id="{2D8ACC30-9856-DA42-AF5A-8B1D3A929EE6}" type="datetimeFigureOut">
               <a:rPr lang="en-US" smtClean="0"/>
-              <a:t>2/21/18</a:t>
+              <a:t>2/22/18</a:t>
             </a:fld>
             <a:endParaRPr lang="en-US"/>
           </a:p>
@@ -9915,7 +9915,7 @@
             <a:fld id="{87DE6118-2437-4B30-8E3C-4D2BE6020583}" type="datetimeFigureOut">
               <a:rPr lang="en-US" smtClean="0"/>
               <a:pPr/>
-              <a:t>2/21/18</a:t>
+              <a:t>2/22/18</a:t>
             </a:fld>
             <a:endParaRPr lang="en-US" dirty="0"/>
           </a:p>
@@ -10123,7 +10123,7 @@
           <a:p>
             <a:fld id="{87DE6118-2437-4B30-8E3C-4D2BE6020583}" type="datetimeFigureOut">
               <a:rPr lang="en-US" smtClean="0"/>
-              <a:t>2/21/18</a:t>
+              <a:t>2/22/18</a:t>
             </a:fld>
             <a:endParaRPr lang="en-US" dirty="0"/>
           </a:p>
@@ -10303,7 +10303,7 @@
           <a:p>
             <a:fld id="{87DE6118-2437-4B30-8E3C-4D2BE6020583}" type="datetimeFigureOut">
               <a:rPr lang="en-US" smtClean="0"/>
-              <a:t>2/21/18</a:t>
+              <a:t>2/22/18</a:t>
             </a:fld>
             <a:endParaRPr lang="en-US" dirty="0"/>
           </a:p>
@@ -10508,7 +10508,7 @@
           <a:p>
             <a:fld id="{87DE6118-2437-4B30-8E3C-4D2BE6020583}" type="datetimeFigureOut">
               <a:rPr lang="en-US" smtClean="0"/>
-              <a:t>2/21/18</a:t>
+              <a:t>2/22/18</a:t>
             </a:fld>
             <a:endParaRPr lang="en-US" dirty="0"/>
           </a:p>
@@ -19407,7 +19407,7 @@
             <a:fld id="{87DE6118-2437-4B30-8E3C-4D2BE6020583}" type="datetimeFigureOut">
               <a:rPr lang="en-US" smtClean="0"/>
               <a:pPr/>
-              <a:t>2/21/18</a:t>
+              <a:t>2/22/18</a:t>
             </a:fld>
             <a:endParaRPr lang="en-US" dirty="0"/>
           </a:p>
@@ -19682,7 +19682,7 @@
           <a:p>
             <a:fld id="{87DE6118-2437-4B30-8E3C-4D2BE6020583}" type="datetimeFigureOut">
               <a:rPr lang="en-US" smtClean="0"/>
-              <a:t>2/21/18</a:t>
+              <a:t>2/22/18</a:t>
             </a:fld>
             <a:endParaRPr lang="en-US" dirty="0"/>
           </a:p>
@@ -20085,7 +20085,7 @@
           <a:p>
             <a:fld id="{87DE6118-2437-4B30-8E3C-4D2BE6020583}" type="datetimeFigureOut">
               <a:rPr lang="en-US" smtClean="0"/>
-              <a:t>2/21/18</a:t>
+              <a:t>2/22/18</a:t>
             </a:fld>
             <a:endParaRPr lang="en-US" dirty="0"/>
           </a:p>
@@ -20208,7 +20208,7 @@
           <a:p>
             <a:fld id="{87DE6118-2437-4B30-8E3C-4D2BE6020583}" type="datetimeFigureOut">
               <a:rPr lang="en-US" smtClean="0"/>
-              <a:t>2/21/18</a:t>
+              <a:t>2/22/18</a:t>
             </a:fld>
             <a:endParaRPr lang="en-US" dirty="0"/>
           </a:p>
@@ -20303,7 +20303,7 @@
           <a:p>
             <a:fld id="{87DE6118-2437-4B30-8E3C-4D2BE6020583}" type="datetimeFigureOut">
               <a:rPr lang="en-US" smtClean="0"/>
-              <a:t>2/21/18</a:t>
+              <a:t>2/22/18</a:t>
             </a:fld>
             <a:endParaRPr lang="en-US" dirty="0"/>
           </a:p>
@@ -20594,7 +20594,7 @@
             <a:fld id="{87DE6118-2437-4B30-8E3C-4D2BE6020583}" type="datetimeFigureOut">
               <a:rPr lang="en-US" smtClean="0"/>
               <a:pPr/>
-              <a:t>2/21/18</a:t>
+              <a:t>2/22/18</a:t>
             </a:fld>
             <a:endParaRPr lang="en-US" dirty="0"/>
           </a:p>
@@ -20881,7 +20881,7 @@
             <a:fld id="{87DE6118-2437-4B30-8E3C-4D2BE6020583}" type="datetimeFigureOut">
               <a:rPr lang="en-US" smtClean="0"/>
               <a:pPr/>
-              <a:t>2/21/18</a:t>
+              <a:t>2/22/18</a:t>
             </a:fld>
             <a:endParaRPr lang="en-US" dirty="0"/>
           </a:p>
@@ -21133,7 +21133,7 @@
             <a:fld id="{87DE6118-2437-4B30-8E3C-4D2BE6020583}" type="datetimeFigureOut">
               <a:rPr lang="en-US" smtClean="0"/>
               <a:pPr/>
-              <a:t>2/21/18</a:t>
+              <a:t>2/22/18</a:t>
             </a:fld>
             <a:endParaRPr lang="en-US" dirty="0"/>
           </a:p>
@@ -24901,7 +24901,7 @@
           <p:nvPr>
             <p:extLst>
               <p:ext uri="{D42A27DB-BD31-4B8C-83A1-F6EECF244321}">
-                <p14:modId xmlns:p14="http://schemas.microsoft.com/office/powerpoint/2010/main" val="9353145"/>
+                <p14:modId xmlns:p14="http://schemas.microsoft.com/office/powerpoint/2010/main" val="2249841297"/>
               </p:ext>
             </p:extLst>
           </p:nvPr>
@@ -25400,7 +25400,7 @@
                         <a:rPr lang="en-US" dirty="0">
                           <a:latin typeface="Constantia" panose="02030602050306030303" pitchFamily="18" charset="0"/>
                         </a:rPr>
-                        <a:t>Handicap</a:t>
+                        <a:t>Disability</a:t>
                       </a:r>
                     </a:p>
                   </a:txBody>
@@ -25531,7 +25531,7 @@
                         <a:rPr lang="en-US" dirty="0">
                           <a:latin typeface="Constantia" panose="02030602050306030303" pitchFamily="18" charset="0"/>
                         </a:rPr>
-                        <a:t>woman</a:t>
+                        <a:t>Woman</a:t>
                       </a:r>
                     </a:p>
                   </a:txBody>
@@ -25595,7 +25595,7 @@
                         <a:rPr lang="en-US" dirty="0">
                           <a:latin typeface="Constantia" panose="02030602050306030303" pitchFamily="18" charset="0"/>
                         </a:rPr>
-                        <a:t>delta</a:t>
+                        <a:t>Delta</a:t>
                       </a:r>
                     </a:p>
                   </a:txBody>
